--- a/PP.pptx
+++ b/PP.pptx
@@ -104,7 +104,57 @@
       </a:defRPr>
     </a:lvl9pPr>
   </p:defaultTextStyle>
+  <p:extLst>
+    <p:ext uri="{EFAFB233-063F-42B5-8137-9DF3F51BA10A}">
+      <p15:sldGuideLst xmlns:p15="http://schemas.microsoft.com/office/powerpoint/2012/main"/>
+    </p:ext>
+  </p:extLst>
 </p:presentation>
+</file>
+
+<file path=ppt/revisionInfo.xml><?xml version="1.0" encoding="utf-8"?>
+<p1510:revInfo xmlns:a="http://schemas.openxmlformats.org/drawingml/2006/main" xmlns:r="http://schemas.openxmlformats.org/officeDocument/2006/relationships" xmlns:p1510="http://schemas.microsoft.com/office/powerpoint/2015/10/main">
+  <p1510:revLst>
+    <p1510:client id="{3F40DCD7-DB13-4E32-8E29-43FA95661909}" v="2" dt="2018-11-27T14:27:01.723"/>
+  </p1510:revLst>
+</p1510:revInfo>
+</file>
+
+<file path=ppt/changesInfos/changesInfo1.xml><?xml version="1.0" encoding="utf-8"?>
+<pc:chgInfo xmlns:a="http://schemas.openxmlformats.org/drawingml/2006/main" xmlns:r="http://schemas.openxmlformats.org/officeDocument/2006/relationships" xmlns:ac="http://schemas.microsoft.com/office/drawing/2013/main/command" xmlns:pc="http://schemas.microsoft.com/office/powerpoint/2013/main/command">
+  <pc:docChgLst>
+    <pc:chgData name="Billy Mitchell" userId="5875697da76bc753" providerId="LiveId" clId="{3F40DCD7-DB13-4E32-8E29-43FA95661909}"/>
+    <pc:docChg chg="modSld">
+      <pc:chgData name="Billy Mitchell" userId="5875697da76bc753" providerId="LiveId" clId="{3F40DCD7-DB13-4E32-8E29-43FA95661909}" dt="2018-11-27T14:27:53.459" v="184" actId="20577"/>
+      <pc:docMkLst>
+        <pc:docMk/>
+      </pc:docMkLst>
+      <pc:sldChg chg="addSp modSp">
+        <pc:chgData name="Billy Mitchell" userId="5875697da76bc753" providerId="LiveId" clId="{3F40DCD7-DB13-4E32-8E29-43FA95661909}" dt="2018-11-27T14:27:53.459" v="184" actId="20577"/>
+        <pc:sldMkLst>
+          <pc:docMk/>
+          <pc:sldMk cId="1859803356" sldId="256"/>
+        </pc:sldMkLst>
+        <pc:spChg chg="add mod">
+          <ac:chgData name="Billy Mitchell" userId="5875697da76bc753" providerId="LiveId" clId="{3F40DCD7-DB13-4E32-8E29-43FA95661909}" dt="2018-11-27T14:27:53.459" v="184" actId="20577"/>
+          <ac:spMkLst>
+            <pc:docMk/>
+            <pc:sldMk cId="1859803356" sldId="256"/>
+            <ac:spMk id="5" creationId="{6510AC85-BE98-4A83-BC1A-44956E5ADC21}"/>
+          </ac:spMkLst>
+        </pc:spChg>
+        <pc:picChg chg="add mod">
+          <ac:chgData name="Billy Mitchell" userId="5875697da76bc753" providerId="LiveId" clId="{3F40DCD7-DB13-4E32-8E29-43FA95661909}" dt="2018-11-27T14:26:23.943" v="1" actId="14100"/>
+          <ac:picMkLst>
+            <pc:docMk/>
+            <pc:sldMk cId="1859803356" sldId="256"/>
+            <ac:picMk id="4" creationId="{DE444347-AF28-460C-A24F-1C7B35655AEE}"/>
+          </ac:picMkLst>
+        </pc:picChg>
+      </pc:sldChg>
+    </pc:docChg>
+  </pc:docChgLst>
+</pc:chgInfo>
 </file>
 
 <file path=ppt/slideLayouts/slideLayout1.xml><?xml version="1.0" encoding="utf-8"?>
@@ -474,7 +524,7 @@
           <a:p>
             <a:fld id="{D6D5266E-457A-4968-92BA-9EF2FF492839}" type="datetimeFigureOut">
               <a:rPr lang="en-US" smtClean="0"/>
-              <a:t>11/13/2018</a:t>
+              <a:t>11/27/2018</a:t>
             </a:fld>
             <a:endParaRPr lang="en-US"/>
           </a:p>
@@ -721,7 +771,7 @@
           <a:p>
             <a:fld id="{D6D5266E-457A-4968-92BA-9EF2FF492839}" type="datetimeFigureOut">
               <a:rPr lang="en-US" smtClean="0"/>
-              <a:t>11/13/2018</a:t>
+              <a:t>11/27/2018</a:t>
             </a:fld>
             <a:endParaRPr lang="en-US"/>
           </a:p>
@@ -1107,7 +1157,7 @@
           <a:p>
             <a:fld id="{D6D5266E-457A-4968-92BA-9EF2FF492839}" type="datetimeFigureOut">
               <a:rPr lang="en-US" smtClean="0"/>
-              <a:t>11/13/2018</a:t>
+              <a:t>11/27/2018</a:t>
             </a:fld>
             <a:endParaRPr lang="en-US"/>
           </a:p>
@@ -1336,7 +1386,7 @@
           <a:p>
             <a:fld id="{D6D5266E-457A-4968-92BA-9EF2FF492839}" type="datetimeFigureOut">
               <a:rPr lang="en-US" smtClean="0"/>
-              <a:t>11/13/2018</a:t>
+              <a:t>11/27/2018</a:t>
             </a:fld>
             <a:endParaRPr lang="en-US"/>
           </a:p>
@@ -1827,7 +1877,7 @@
           <a:p>
             <a:fld id="{D6D5266E-457A-4968-92BA-9EF2FF492839}" type="datetimeFigureOut">
               <a:rPr lang="en-US" smtClean="0"/>
-              <a:t>11/13/2018</a:t>
+              <a:t>11/27/2018</a:t>
             </a:fld>
             <a:endParaRPr lang="en-US"/>
           </a:p>
@@ -2137,7 +2187,7 @@
           <a:p>
             <a:fld id="{D6D5266E-457A-4968-92BA-9EF2FF492839}" type="datetimeFigureOut">
               <a:rPr lang="en-US" smtClean="0"/>
-              <a:t>11/13/2018</a:t>
+              <a:t>11/27/2018</a:t>
             </a:fld>
             <a:endParaRPr lang="en-US"/>
           </a:p>
@@ -2528,7 +2578,7 @@
           <a:p>
             <a:fld id="{D6D5266E-457A-4968-92BA-9EF2FF492839}" type="datetimeFigureOut">
               <a:rPr lang="en-US" smtClean="0"/>
-              <a:t>11/13/2018</a:t>
+              <a:t>11/27/2018</a:t>
             </a:fld>
             <a:endParaRPr lang="en-US"/>
           </a:p>
@@ -2646,7 +2696,7 @@
           <a:p>
             <a:fld id="{D6D5266E-457A-4968-92BA-9EF2FF492839}" type="datetimeFigureOut">
               <a:rPr lang="en-US" smtClean="0"/>
-              <a:t>11/13/2018</a:t>
+              <a:t>11/27/2018</a:t>
             </a:fld>
             <a:endParaRPr lang="en-US"/>
           </a:p>
@@ -2741,7 +2791,7 @@
           <a:p>
             <a:fld id="{D6D5266E-457A-4968-92BA-9EF2FF492839}" type="datetimeFigureOut">
               <a:rPr lang="en-US" smtClean="0"/>
-              <a:t>11/13/2018</a:t>
+              <a:t>11/27/2018</a:t>
             </a:fld>
             <a:endParaRPr lang="en-US"/>
           </a:p>
@@ -3041,7 +3091,7 @@
           <a:p>
             <a:fld id="{D6D5266E-457A-4968-92BA-9EF2FF492839}" type="datetimeFigureOut">
               <a:rPr lang="en-US" smtClean="0"/>
-              <a:t>11/13/2018</a:t>
+              <a:t>11/27/2018</a:t>
             </a:fld>
             <a:endParaRPr lang="en-US"/>
           </a:p>
@@ -3306,7 +3356,7 @@
           <a:p>
             <a:fld id="{D6D5266E-457A-4968-92BA-9EF2FF492839}" type="datetimeFigureOut">
               <a:rPr lang="en-US" smtClean="0"/>
-              <a:t>11/13/2018</a:t>
+              <a:t>11/27/2018</a:t>
             </a:fld>
             <a:endParaRPr lang="en-US"/>
           </a:p>
@@ -3724,7 +3774,7 @@
           <a:p>
             <a:fld id="{D6D5266E-457A-4968-92BA-9EF2FF492839}" type="datetimeFigureOut">
               <a:rPr lang="en-US" smtClean="0"/>
-              <a:t>11/13/2018</a:t>
+              <a:t>11/27/2018</a:t>
             </a:fld>
             <a:endParaRPr lang="en-US"/>
           </a:p>
@@ -4297,6 +4347,71 @@
           </a:p>
         </p:txBody>
       </p:sp>
+      <p:pic>
+        <p:nvPicPr>
+          <p:cNvPr id="4" name="Picture 3">
+            <a:extLst>
+              <a:ext uri="{FF2B5EF4-FFF2-40B4-BE49-F238E27FC236}">
+                <a16:creationId xmlns:a16="http://schemas.microsoft.com/office/drawing/2014/main" id="{DE444347-AF28-460C-A24F-1C7B35655AEE}"/>
+              </a:ext>
+            </a:extLst>
+          </p:cNvPr>
+          <p:cNvPicPr>
+            <a:picLocks noChangeAspect="1"/>
+          </p:cNvPicPr>
+          <p:nvPr/>
+        </p:nvPicPr>
+        <p:blipFill>
+          <a:blip r:embed="rId2"/>
+          <a:stretch>
+            <a:fillRect/>
+          </a:stretch>
+        </p:blipFill>
+        <p:spPr>
+          <a:xfrm>
+            <a:off x="6439747" y="3615266"/>
+            <a:ext cx="5456978" cy="2956983"/>
+          </a:xfrm>
+          <a:prstGeom prst="rect">
+            <a:avLst/>
+          </a:prstGeom>
+        </p:spPr>
+      </p:pic>
+      <p:sp>
+        <p:nvSpPr>
+          <p:cNvPr id="5" name="TextBox 4">
+            <a:extLst>
+              <a:ext uri="{FF2B5EF4-FFF2-40B4-BE49-F238E27FC236}">
+                <a16:creationId xmlns:a16="http://schemas.microsoft.com/office/drawing/2014/main" id="{6510AC85-BE98-4A83-BC1A-44956E5ADC21}"/>
+              </a:ext>
+            </a:extLst>
+          </p:cNvPr>
+          <p:cNvSpPr txBox="1"/>
+          <p:nvPr/>
+        </p:nvSpPr>
+        <p:spPr>
+          <a:xfrm>
+            <a:off x="1258159" y="1161907"/>
+            <a:ext cx="4494095" cy="1200329"/>
+          </a:xfrm>
+          <a:prstGeom prst="rect">
+            <a:avLst/>
+          </a:prstGeom>
+          <a:noFill/>
+        </p:spPr>
+        <p:txBody>
+          <a:bodyPr wrap="square" rtlCol="0">
+            <a:spAutoFit/>
+          </a:bodyPr>
+          <a:lstStyle/>
+          <a:p>
+            <a:r>
+              <a:rPr lang="en-US" dirty="0"/>
+              <a:t>Our goal is to create a website to enter student grades for all classes a student has so they can track their grades and calculate averages.</a:t>
+            </a:r>
+          </a:p>
+        </p:txBody>
+      </p:sp>
     </p:spTree>
     <p:extLst>
       <p:ext uri="{BB962C8B-B14F-4D97-AF65-F5344CB8AC3E}">

--- a/PP.pptx
+++ b/PP.pptx
@@ -124,19 +124,27 @@
 <pc:chgInfo xmlns:a="http://schemas.openxmlformats.org/drawingml/2006/main" xmlns:r="http://schemas.openxmlformats.org/officeDocument/2006/relationships" xmlns:ac="http://schemas.microsoft.com/office/drawing/2013/main/command" xmlns:pc="http://schemas.microsoft.com/office/powerpoint/2013/main/command">
   <pc:docChgLst>
     <pc:chgData name="Billy Mitchell" userId="5875697da76bc753" providerId="LiveId" clId="{3F40DCD7-DB13-4E32-8E29-43FA95661909}"/>
-    <pc:docChg chg="modSld">
-      <pc:chgData name="Billy Mitchell" userId="5875697da76bc753" providerId="LiveId" clId="{3F40DCD7-DB13-4E32-8E29-43FA95661909}" dt="2018-11-27T14:27:53.459" v="184" actId="20577"/>
+    <pc:docChg chg="custSel modSld">
+      <pc:chgData name="Billy Mitchell" userId="5875697da76bc753" providerId="LiveId" clId="{3F40DCD7-DB13-4E32-8E29-43FA95661909}" dt="2018-11-27T14:36:50.092" v="216" actId="14100"/>
       <pc:docMkLst>
         <pc:docMk/>
       </pc:docMkLst>
       <pc:sldChg chg="addSp modSp">
-        <pc:chgData name="Billy Mitchell" userId="5875697da76bc753" providerId="LiveId" clId="{3F40DCD7-DB13-4E32-8E29-43FA95661909}" dt="2018-11-27T14:27:53.459" v="184" actId="20577"/>
+        <pc:chgData name="Billy Mitchell" userId="5875697da76bc753" providerId="LiveId" clId="{3F40DCD7-DB13-4E32-8E29-43FA95661909}" dt="2018-11-27T14:36:50.092" v="216" actId="14100"/>
         <pc:sldMkLst>
           <pc:docMk/>
           <pc:sldMk cId="1859803356" sldId="256"/>
         </pc:sldMkLst>
+        <pc:spChg chg="mod">
+          <ac:chgData name="Billy Mitchell" userId="5875697da76bc753" providerId="LiveId" clId="{3F40DCD7-DB13-4E32-8E29-43FA95661909}" dt="2018-11-27T14:36:50.092" v="216" actId="14100"/>
+          <ac:spMkLst>
+            <pc:docMk/>
+            <pc:sldMk cId="1859803356" sldId="256"/>
+            <ac:spMk id="3" creationId="{FEA62F1D-F33C-4B46-917F-4D67225E5831}"/>
+          </ac:spMkLst>
+        </pc:spChg>
         <pc:spChg chg="add mod">
-          <ac:chgData name="Billy Mitchell" userId="5875697da76bc753" providerId="LiveId" clId="{3F40DCD7-DB13-4E32-8E29-43FA95661909}" dt="2018-11-27T14:27:53.459" v="184" actId="20577"/>
+          <ac:chgData name="Billy Mitchell" userId="5875697da76bc753" providerId="LiveId" clId="{3F40DCD7-DB13-4E32-8E29-43FA95661909}" dt="2018-11-27T14:36:17.402" v="188" actId="14100"/>
           <ac:spMkLst>
             <pc:docMk/>
             <pc:sldMk cId="1859803356" sldId="256"/>
@@ -144,7 +152,7 @@
           </ac:spMkLst>
         </pc:spChg>
         <pc:picChg chg="add mod">
-          <ac:chgData name="Billy Mitchell" userId="5875697da76bc753" providerId="LiveId" clId="{3F40DCD7-DB13-4E32-8E29-43FA95661909}" dt="2018-11-27T14:26:23.943" v="1" actId="14100"/>
+          <ac:chgData name="Billy Mitchell" userId="5875697da76bc753" providerId="LiveId" clId="{3F40DCD7-DB13-4E32-8E29-43FA95661909}" dt="2018-11-27T14:36:05.763" v="187" actId="14100"/>
           <ac:picMkLst>
             <pc:docMk/>
             <pc:sldMk cId="1859803356" sldId="256"/>
@@ -4332,17 +4340,31 @@
         </p:nvSpPr>
         <p:spPr>
           <a:xfrm>
-            <a:off x="841407" y="6336916"/>
-            <a:ext cx="3338707" cy="436753"/>
+            <a:off x="1291732" y="3654138"/>
+            <a:ext cx="2661501" cy="1261621"/>
           </a:xfrm>
         </p:spPr>
         <p:txBody>
-          <a:bodyPr/>
+          <a:bodyPr>
+            <a:normAutofit/>
+          </a:bodyPr>
           <a:lstStyle/>
           <a:p>
             <a:r>
               <a:rPr lang="en-US" dirty="0"/>
-              <a:t>Billy Mitchell - Andrew Mitchell</a:t>
+              <a:t>Project Members:</a:t>
+            </a:r>
+          </a:p>
+          <a:p>
+            <a:r>
+              <a:rPr lang="en-US" dirty="0"/>
+              <a:t>Billy Mitchell </a:t>
+            </a:r>
+          </a:p>
+          <a:p>
+            <a:r>
+              <a:rPr lang="en-US" dirty="0"/>
+              <a:t>Andrew Mitchell</a:t>
             </a:r>
           </a:p>
         </p:txBody>
@@ -4369,8 +4391,8 @@
         </p:blipFill>
         <p:spPr>
           <a:xfrm>
-            <a:off x="6439747" y="3615266"/>
-            <a:ext cx="5456978" cy="2956983"/>
+            <a:off x="4290116" y="2459620"/>
+            <a:ext cx="7769309" cy="4209968"/>
           </a:xfrm>
           <a:prstGeom prst="rect">
             <a:avLst/>
@@ -4392,7 +4414,7 @@
         <p:spPr>
           <a:xfrm>
             <a:off x="1258159" y="1161907"/>
-            <a:ext cx="4494095" cy="1200329"/>
+            <a:ext cx="6744560" cy="646331"/>
           </a:xfrm>
           <a:prstGeom prst="rect">
             <a:avLst/>

--- a/PP.pptx
+++ b/PP.pptx
@@ -125,12 +125,12 @@
   <pc:docChgLst>
     <pc:chgData name="Billy Mitchell" userId="5875697da76bc753" providerId="LiveId" clId="{3F40DCD7-DB13-4E32-8E29-43FA95661909}"/>
     <pc:docChg chg="custSel modSld">
-      <pc:chgData name="Billy Mitchell" userId="5875697da76bc753" providerId="LiveId" clId="{3F40DCD7-DB13-4E32-8E29-43FA95661909}" dt="2018-11-27T14:36:50.092" v="216" actId="14100"/>
+      <pc:chgData name="Billy Mitchell" userId="5875697da76bc753" providerId="LiveId" clId="{3F40DCD7-DB13-4E32-8E29-43FA95661909}" dt="2018-11-29T15:29:18.933" v="224" actId="20577"/>
       <pc:docMkLst>
         <pc:docMk/>
       </pc:docMkLst>
       <pc:sldChg chg="addSp modSp">
-        <pc:chgData name="Billy Mitchell" userId="5875697da76bc753" providerId="LiveId" clId="{3F40DCD7-DB13-4E32-8E29-43FA95661909}" dt="2018-11-27T14:36:50.092" v="216" actId="14100"/>
+        <pc:chgData name="Billy Mitchell" userId="5875697da76bc753" providerId="LiveId" clId="{3F40DCD7-DB13-4E32-8E29-43FA95661909}" dt="2018-11-29T15:29:18.933" v="224" actId="20577"/>
         <pc:sldMkLst>
           <pc:docMk/>
           <pc:sldMk cId="1859803356" sldId="256"/>
@@ -144,7 +144,7 @@
           </ac:spMkLst>
         </pc:spChg>
         <pc:spChg chg="add mod">
-          <ac:chgData name="Billy Mitchell" userId="5875697da76bc753" providerId="LiveId" clId="{3F40DCD7-DB13-4E32-8E29-43FA95661909}" dt="2018-11-27T14:36:17.402" v="188" actId="14100"/>
+          <ac:chgData name="Billy Mitchell" userId="5875697da76bc753" providerId="LiveId" clId="{3F40DCD7-DB13-4E32-8E29-43FA95661909}" dt="2018-11-29T15:29:18.933" v="224" actId="20577"/>
           <ac:spMkLst>
             <pc:docMk/>
             <pc:sldMk cId="1859803356" sldId="256"/>
@@ -532,7 +532,7 @@
           <a:p>
             <a:fld id="{D6D5266E-457A-4968-92BA-9EF2FF492839}" type="datetimeFigureOut">
               <a:rPr lang="en-US" smtClean="0"/>
-              <a:t>11/27/2018</a:t>
+              <a:t>11/29/2018</a:t>
             </a:fld>
             <a:endParaRPr lang="en-US"/>
           </a:p>
@@ -779,7 +779,7 @@
           <a:p>
             <a:fld id="{D6D5266E-457A-4968-92BA-9EF2FF492839}" type="datetimeFigureOut">
               <a:rPr lang="en-US" smtClean="0"/>
-              <a:t>11/27/2018</a:t>
+              <a:t>11/29/2018</a:t>
             </a:fld>
             <a:endParaRPr lang="en-US"/>
           </a:p>
@@ -1165,7 +1165,7 @@
           <a:p>
             <a:fld id="{D6D5266E-457A-4968-92BA-9EF2FF492839}" type="datetimeFigureOut">
               <a:rPr lang="en-US" smtClean="0"/>
-              <a:t>11/27/2018</a:t>
+              <a:t>11/29/2018</a:t>
             </a:fld>
             <a:endParaRPr lang="en-US"/>
           </a:p>
@@ -1394,7 +1394,7 @@
           <a:p>
             <a:fld id="{D6D5266E-457A-4968-92BA-9EF2FF492839}" type="datetimeFigureOut">
               <a:rPr lang="en-US" smtClean="0"/>
-              <a:t>11/27/2018</a:t>
+              <a:t>11/29/2018</a:t>
             </a:fld>
             <a:endParaRPr lang="en-US"/>
           </a:p>
@@ -1885,7 +1885,7 @@
           <a:p>
             <a:fld id="{D6D5266E-457A-4968-92BA-9EF2FF492839}" type="datetimeFigureOut">
               <a:rPr lang="en-US" smtClean="0"/>
-              <a:t>11/27/2018</a:t>
+              <a:t>11/29/2018</a:t>
             </a:fld>
             <a:endParaRPr lang="en-US"/>
           </a:p>
@@ -2195,7 +2195,7 @@
           <a:p>
             <a:fld id="{D6D5266E-457A-4968-92BA-9EF2FF492839}" type="datetimeFigureOut">
               <a:rPr lang="en-US" smtClean="0"/>
-              <a:t>11/27/2018</a:t>
+              <a:t>11/29/2018</a:t>
             </a:fld>
             <a:endParaRPr lang="en-US"/>
           </a:p>
@@ -2586,7 +2586,7 @@
           <a:p>
             <a:fld id="{D6D5266E-457A-4968-92BA-9EF2FF492839}" type="datetimeFigureOut">
               <a:rPr lang="en-US" smtClean="0"/>
-              <a:t>11/27/2018</a:t>
+              <a:t>11/29/2018</a:t>
             </a:fld>
             <a:endParaRPr lang="en-US"/>
           </a:p>
@@ -2704,7 +2704,7 @@
           <a:p>
             <a:fld id="{D6D5266E-457A-4968-92BA-9EF2FF492839}" type="datetimeFigureOut">
               <a:rPr lang="en-US" smtClean="0"/>
-              <a:t>11/27/2018</a:t>
+              <a:t>11/29/2018</a:t>
             </a:fld>
             <a:endParaRPr lang="en-US"/>
           </a:p>
@@ -2799,7 +2799,7 @@
           <a:p>
             <a:fld id="{D6D5266E-457A-4968-92BA-9EF2FF492839}" type="datetimeFigureOut">
               <a:rPr lang="en-US" smtClean="0"/>
-              <a:t>11/27/2018</a:t>
+              <a:t>11/29/2018</a:t>
             </a:fld>
             <a:endParaRPr lang="en-US"/>
           </a:p>
@@ -3099,7 +3099,7 @@
           <a:p>
             <a:fld id="{D6D5266E-457A-4968-92BA-9EF2FF492839}" type="datetimeFigureOut">
               <a:rPr lang="en-US" smtClean="0"/>
-              <a:t>11/27/2018</a:t>
+              <a:t>11/29/2018</a:t>
             </a:fld>
             <a:endParaRPr lang="en-US"/>
           </a:p>
@@ -3364,7 +3364,7 @@
           <a:p>
             <a:fld id="{D6D5266E-457A-4968-92BA-9EF2FF492839}" type="datetimeFigureOut">
               <a:rPr lang="en-US" smtClean="0"/>
-              <a:t>11/27/2018</a:t>
+              <a:t>11/29/2018</a:t>
             </a:fld>
             <a:endParaRPr lang="en-US"/>
           </a:p>
@@ -3782,7 +3782,7 @@
           <a:p>
             <a:fld id="{D6D5266E-457A-4968-92BA-9EF2FF492839}" type="datetimeFigureOut">
               <a:rPr lang="en-US" smtClean="0"/>
-              <a:t>11/27/2018</a:t>
+              <a:t>11/29/2018</a:t>
             </a:fld>
             <a:endParaRPr lang="en-US"/>
           </a:p>
@@ -4414,7 +4414,7 @@
         <p:spPr>
           <a:xfrm>
             <a:off x="1258159" y="1161907"/>
-            <a:ext cx="6744560" cy="646331"/>
+            <a:ext cx="6744560" cy="923330"/>
           </a:xfrm>
           <a:prstGeom prst="rect">
             <a:avLst/>
@@ -4429,8 +4429,13 @@
           <a:p>
             <a:r>
               <a:rPr lang="en-US" dirty="0"/>
-              <a:t>Our goal is to create a website to enter student grades for all classes a student has so they can track their grades and calculate averages.</a:t>
-            </a:r>
+              <a:t>Our goal is to create a website to enter student grades for all classes a student has so they can track their grades and calculate </a:t>
+            </a:r>
+            <a:r>
+              <a:rPr lang="en-US"/>
+              <a:t>averages.asdfasdf</a:t>
+            </a:r>
+            <a:endParaRPr lang="en-US" dirty="0"/>
           </a:p>
         </p:txBody>
       </p:sp>
